--- a/deliverables/inception/inception.pptx
+++ b/deliverables/inception/inception.pptx
@@ -120,7 +120,7 @@
   </p:defaultTextStyle>
   <p:extLst>
     <p:ext uri="{EFAFB233-063F-42B5-8137-9DF3F51BA10A}">
-      <p15:sldGuideLst xmlns:p15="http://schemas.microsoft.com/office/powerpoint/2012/main">
+      <p15:sldGuideLst xmlns:p15="http://schemas.microsoft.com/office/powerpoint/2012/main" xmlns="">
         <p15:guide id="1" orient="horz" pos="2160">
           <p15:clr>
             <a:srgbClr val="A4A3A4"/>
@@ -134,7 +134,7 @@
       </p15:sldGuideLst>
     </p:ext>
     <p:ext uri="{2D200454-40CA-4A62-9FC3-DE9A4176ACB9}">
-      <p15:notesGuideLst xmlns:p15="http://schemas.microsoft.com/office/powerpoint/2012/main">
+      <p15:notesGuideLst xmlns:p15="http://schemas.microsoft.com/office/powerpoint/2012/main" xmlns="">
         <p15:guide id="1" orient="horz" pos="2880">
           <p15:clr>
             <a:srgbClr val="A4A3A4"/>
@@ -234,7 +234,7 @@
             <a:fld id="{FE5B4EDC-59C0-49C7-8ADA-5A781B329E02}" type="datetimeFigureOut">
               <a:rPr lang="en-US"/>
               <a:pPr/>
-              <a:t>1/28/2015</a:t>
+              <a:t>1/29/2015</a:t>
             </a:fld>
             <a:endParaRPr dirty="0"/>
           </a:p>
@@ -401,7 +401,7 @@
             <a:fld id="{F2D8D46A-B586-417D-BFBD-8C8FE0AAF762}" type="datetimeFigureOut">
               <a:rPr lang="en-US"/>
               <a:pPr/>
-              <a:t>1/28/2015</a:t>
+              <a:t>1/29/2015</a:t>
             </a:fld>
             <a:endParaRPr dirty="0"/>
           </a:p>
@@ -1426,7 +1426,7 @@
             <a:fld id="{F0DFD029-FB74-4578-B929-F66AA97659CA}" type="datetimeFigureOut">
               <a:rPr lang="en-US"/>
               <a:pPr/>
-              <a:t>1/28/2015</a:t>
+              <a:t>1/29/2015</a:t>
             </a:fld>
             <a:endParaRPr dirty="0"/>
           </a:p>
@@ -1633,7 +1633,7 @@
             <a:fld id="{F0DFD029-FB74-4578-B929-F66AA97659CA}" type="datetimeFigureOut">
               <a:rPr lang="en-US"/>
               <a:pPr/>
-              <a:t>1/28/2015</a:t>
+              <a:t>1/29/2015</a:t>
             </a:fld>
             <a:endParaRPr dirty="0"/>
           </a:p>
@@ -1850,7 +1850,7 @@
             <a:fld id="{F0DFD029-FB74-4578-B929-F66AA97659CA}" type="datetimeFigureOut">
               <a:rPr lang="en-US"/>
               <a:pPr/>
-              <a:t>1/28/2015</a:t>
+              <a:t>1/29/2015</a:t>
             </a:fld>
             <a:endParaRPr dirty="0"/>
           </a:p>
@@ -2057,7 +2057,7 @@
             <a:fld id="{F0DFD029-FB74-4578-B929-F66AA97659CA}" type="datetimeFigureOut">
               <a:rPr lang="en-US"/>
               <a:pPr/>
-              <a:t>1/28/2015</a:t>
+              <a:t>1/29/2015</a:t>
             </a:fld>
             <a:endParaRPr dirty="0"/>
           </a:p>
@@ -2329,7 +2329,7 @@
             <a:fld id="{F0DFD029-FB74-4578-B929-F66AA97659CA}" type="datetimeFigureOut">
               <a:rPr lang="en-US"/>
               <a:pPr/>
-              <a:t>1/28/2015</a:t>
+              <a:t>1/29/2015</a:t>
             </a:fld>
             <a:endParaRPr dirty="0"/>
           </a:p>
@@ -2811,7 +2811,7 @@
             <a:fld id="{F0DFD029-FB74-4578-B929-F66AA97659CA}" type="datetimeFigureOut">
               <a:rPr lang="en-US"/>
               <a:pPr/>
-              <a:t>1/28/2015</a:t>
+              <a:t>1/29/2015</a:t>
             </a:fld>
             <a:endParaRPr dirty="0"/>
           </a:p>
@@ -3276,7 +3276,7 @@
             <a:fld id="{F0DFD029-FB74-4578-B929-F66AA97659CA}" type="datetimeFigureOut">
               <a:rPr lang="en-US"/>
               <a:pPr/>
-              <a:t>1/28/2015</a:t>
+              <a:t>1/29/2015</a:t>
             </a:fld>
             <a:endParaRPr dirty="0"/>
           </a:p>
@@ -3415,7 +3415,7 @@
             <a:fld id="{F0DFD029-FB74-4578-B929-F66AA97659CA}" type="datetimeFigureOut">
               <a:rPr lang="en-US"/>
               <a:pPr/>
-              <a:t>1/28/2015</a:t>
+              <a:t>1/29/2015</a:t>
             </a:fld>
             <a:endParaRPr dirty="0"/>
           </a:p>
@@ -3531,7 +3531,7 @@
             <a:fld id="{F0DFD029-FB74-4578-B929-F66AA97659CA}" type="datetimeFigureOut">
               <a:rPr lang="en-US"/>
               <a:pPr/>
-              <a:t>1/28/2015</a:t>
+              <a:t>1/29/2015</a:t>
             </a:fld>
             <a:endParaRPr dirty="0"/>
           </a:p>
@@ -3839,7 +3839,7 @@
             <a:fld id="{F0DFD029-FB74-4578-B929-F66AA97659CA}" type="datetimeFigureOut">
               <a:rPr lang="en-US"/>
               <a:pPr/>
-              <a:t>1/28/2015</a:t>
+              <a:t>1/29/2015</a:t>
             </a:fld>
             <a:endParaRPr dirty="0"/>
           </a:p>
@@ -4136,7 +4136,7 @@
             <a:fld id="{F0DFD029-FB74-4578-B929-F66AA97659CA}" type="datetimeFigureOut">
               <a:rPr lang="en-US"/>
               <a:pPr/>
-              <a:t>1/28/2015</a:t>
+              <a:t>1/29/2015</a:t>
             </a:fld>
             <a:endParaRPr dirty="0"/>
           </a:p>
@@ -4767,7 +4767,7 @@
             <a:fld id="{F0DFD029-FB74-4578-B929-F66AA97659CA}" type="datetimeFigureOut">
               <a:rPr lang="en-US"/>
               <a:pPr/>
-              <a:t>1/28/2015</a:t>
+              <a:t>1/29/2015</a:t>
             </a:fld>
             <a:endParaRPr dirty="0"/>
           </a:p>
@@ -5210,7 +5210,7 @@
   </p:txStyles>
   <p:extLst>
     <p:ext uri="{27BBF7A9-308A-43DC-89C8-2F10F3537804}">
-      <p15:sldGuideLst xmlns:p15="http://schemas.microsoft.com/office/powerpoint/2012/main">
+      <p15:sldGuideLst xmlns:p15="http://schemas.microsoft.com/office/powerpoint/2012/main" xmlns="">
         <p15:guide id="1" orient="horz" pos="2160" userDrawn="1">
           <p15:clr>
             <a:srgbClr val="F26B43"/>
@@ -6336,7 +6336,19 @@
             </a:r>
             <a:r>
               <a:rPr lang="en-US" dirty="0" smtClean="0"/>
-              <a:t>order to handle the large and ever expanding amounts of data that will be added; consequently, a quick and efficient algorithm will be needed to quickly find files that someone maybe searching for in the database.  </a:t>
+              <a:t>order to handle the large and ever expanding amounts of data that will be added; consequently, a quick and efficient algorithm will be needed to quickly find files that </a:t>
+            </a:r>
+            <a:r>
+              <a:rPr lang="en-US" smtClean="0"/>
+              <a:t>someone </a:t>
+            </a:r>
+            <a:r>
+              <a:rPr lang="en-US" smtClean="0"/>
+              <a:t>may be </a:t>
+            </a:r>
+            <a:r>
+              <a:rPr lang="en-US" dirty="0" smtClean="0"/>
+              <a:t>searching for in the database.  </a:t>
             </a:r>
           </a:p>
           <a:p>
